--- a/CS4335_2021A/week 2/SlidesforQ3inT2.pptx
+++ b/CS4335_2021A/week 2/SlidesforQ3inT2.pptx
@@ -212,7 +212,7 @@
           <a:p>
             <a:fld id="{8ABC34B6-0B44-46B2-AB2C-DECD882AD498}" type="datetimeFigureOut">
               <a:rPr lang="zh-CN" altLang="en-US" smtClean="0"/>
-              <a:t>2017/9/14</a:t>
+              <a:t>2021/9/17</a:t>
             </a:fld>
             <a:endParaRPr lang="zh-CN" altLang="en-US"/>
           </a:p>
@@ -276,35 +276,35 @@
           <a:p>
             <a:pPr lvl="0"/>
             <a:r>
-              <a:rPr lang="en-US" altLang="zh-CN" smtClean="0"/>
+              <a:rPr lang="en-US" altLang="zh-CN"/>
               <a:t>Click to edit Master text styles</a:t>
             </a:r>
           </a:p>
           <a:p>
             <a:pPr lvl="1"/>
             <a:r>
-              <a:rPr lang="en-US" altLang="zh-CN" smtClean="0"/>
+              <a:rPr lang="en-US" altLang="zh-CN"/>
               <a:t>Second level</a:t>
             </a:r>
           </a:p>
           <a:p>
             <a:pPr lvl="2"/>
             <a:r>
-              <a:rPr lang="en-US" altLang="zh-CN" smtClean="0"/>
+              <a:rPr lang="en-US" altLang="zh-CN"/>
               <a:t>Third level</a:t>
             </a:r>
           </a:p>
           <a:p>
             <a:pPr lvl="3"/>
             <a:r>
-              <a:rPr lang="en-US" altLang="zh-CN" smtClean="0"/>
+              <a:rPr lang="en-US" altLang="zh-CN"/>
               <a:t>Fourth level</a:t>
             </a:r>
           </a:p>
           <a:p>
             <a:pPr lvl="4"/>
             <a:r>
-              <a:rPr lang="en-US" altLang="zh-CN" smtClean="0"/>
+              <a:rPr lang="en-US" altLang="zh-CN"/>
               <a:t>Fifth level</a:t>
             </a:r>
             <a:endParaRPr lang="zh-CN" altLang="en-US"/>
@@ -522,7 +522,7 @@
           </a:lstStyle>
           <a:p>
             <a:r>
-              <a:rPr lang="en-US" altLang="zh-CN" smtClean="0"/>
+              <a:rPr lang="en-US" altLang="zh-CN"/>
               <a:t>Click to edit Master title style</a:t>
             </a:r>
             <a:endParaRPr lang="zh-CN" altLang="en-US"/>
@@ -587,7 +587,7 @@
           </a:lstStyle>
           <a:p>
             <a:r>
-              <a:rPr lang="en-US" altLang="zh-CN" smtClean="0"/>
+              <a:rPr lang="en-US" altLang="zh-CN"/>
               <a:t>Click to edit Master subtitle style</a:t>
             </a:r>
             <a:endParaRPr lang="zh-CN" altLang="en-US"/>
@@ -611,7 +611,7 @@
           <a:p>
             <a:fld id="{7CB2688F-49E8-4DD4-9E5A-D1F3D1BDFD9C}" type="datetimeFigureOut">
               <a:rPr lang="zh-CN" altLang="en-US" smtClean="0"/>
-              <a:t>2017/9/14</a:t>
+              <a:t>2021/9/17</a:t>
             </a:fld>
             <a:endParaRPr lang="zh-CN" altLang="en-US"/>
           </a:p>
@@ -705,7 +705,7 @@
           <a:lstStyle/>
           <a:p>
             <a:r>
-              <a:rPr lang="en-US" altLang="zh-CN" smtClean="0"/>
+              <a:rPr lang="en-US" altLang="zh-CN"/>
               <a:t>Click to edit Master title style</a:t>
             </a:r>
             <a:endParaRPr lang="zh-CN" altLang="en-US"/>
@@ -729,35 +729,35 @@
           <a:p>
             <a:pPr lvl="0"/>
             <a:r>
-              <a:rPr lang="en-US" altLang="zh-CN" smtClean="0"/>
+              <a:rPr lang="en-US" altLang="zh-CN"/>
               <a:t>Click to edit Master text styles</a:t>
             </a:r>
           </a:p>
           <a:p>
             <a:pPr lvl="1"/>
             <a:r>
-              <a:rPr lang="en-US" altLang="zh-CN" smtClean="0"/>
+              <a:rPr lang="en-US" altLang="zh-CN"/>
               <a:t>Second level</a:t>
             </a:r>
           </a:p>
           <a:p>
             <a:pPr lvl="2"/>
             <a:r>
-              <a:rPr lang="en-US" altLang="zh-CN" smtClean="0"/>
+              <a:rPr lang="en-US" altLang="zh-CN"/>
               <a:t>Third level</a:t>
             </a:r>
           </a:p>
           <a:p>
             <a:pPr lvl="3"/>
             <a:r>
-              <a:rPr lang="en-US" altLang="zh-CN" smtClean="0"/>
+              <a:rPr lang="en-US" altLang="zh-CN"/>
               <a:t>Fourth level</a:t>
             </a:r>
           </a:p>
           <a:p>
             <a:pPr lvl="4"/>
             <a:r>
-              <a:rPr lang="en-US" altLang="zh-CN" smtClean="0"/>
+              <a:rPr lang="en-US" altLang="zh-CN"/>
               <a:t>Fifth level</a:t>
             </a:r>
             <a:endParaRPr lang="zh-CN" altLang="en-US"/>
@@ -781,7 +781,7 @@
           <a:p>
             <a:fld id="{7CB2688F-49E8-4DD4-9E5A-D1F3D1BDFD9C}" type="datetimeFigureOut">
               <a:rPr lang="zh-CN" altLang="en-US" smtClean="0"/>
-              <a:t>2017/9/14</a:t>
+              <a:t>2021/9/17</a:t>
             </a:fld>
             <a:endParaRPr lang="zh-CN" altLang="en-US"/>
           </a:p>
@@ -880,7 +880,7 @@
           <a:lstStyle/>
           <a:p>
             <a:r>
-              <a:rPr lang="en-US" altLang="zh-CN" smtClean="0"/>
+              <a:rPr lang="en-US" altLang="zh-CN"/>
               <a:t>Click to edit Master title style</a:t>
             </a:r>
             <a:endParaRPr lang="zh-CN" altLang="en-US"/>
@@ -909,35 +909,35 @@
           <a:p>
             <a:pPr lvl="0"/>
             <a:r>
-              <a:rPr lang="en-US" altLang="zh-CN" smtClean="0"/>
+              <a:rPr lang="en-US" altLang="zh-CN"/>
               <a:t>Click to edit Master text styles</a:t>
             </a:r>
           </a:p>
           <a:p>
             <a:pPr lvl="1"/>
             <a:r>
-              <a:rPr lang="en-US" altLang="zh-CN" smtClean="0"/>
+              <a:rPr lang="en-US" altLang="zh-CN"/>
               <a:t>Second level</a:t>
             </a:r>
           </a:p>
           <a:p>
             <a:pPr lvl="2"/>
             <a:r>
-              <a:rPr lang="en-US" altLang="zh-CN" smtClean="0"/>
+              <a:rPr lang="en-US" altLang="zh-CN"/>
               <a:t>Third level</a:t>
             </a:r>
           </a:p>
           <a:p>
             <a:pPr lvl="3"/>
             <a:r>
-              <a:rPr lang="en-US" altLang="zh-CN" smtClean="0"/>
+              <a:rPr lang="en-US" altLang="zh-CN"/>
               <a:t>Fourth level</a:t>
             </a:r>
           </a:p>
           <a:p>
             <a:pPr lvl="4"/>
             <a:r>
-              <a:rPr lang="en-US" altLang="zh-CN" smtClean="0"/>
+              <a:rPr lang="en-US" altLang="zh-CN"/>
               <a:t>Fifth level</a:t>
             </a:r>
             <a:endParaRPr lang="zh-CN" altLang="en-US"/>
@@ -961,7 +961,7 @@
           <a:p>
             <a:fld id="{7CB2688F-49E8-4DD4-9E5A-D1F3D1BDFD9C}" type="datetimeFigureOut">
               <a:rPr lang="zh-CN" altLang="en-US" smtClean="0"/>
-              <a:t>2017/9/14</a:t>
+              <a:t>2021/9/17</a:t>
             </a:fld>
             <a:endParaRPr lang="zh-CN" altLang="en-US"/>
           </a:p>
@@ -1055,7 +1055,7 @@
           <a:lstStyle/>
           <a:p>
             <a:r>
-              <a:rPr lang="en-US" altLang="zh-CN" smtClean="0"/>
+              <a:rPr lang="en-US" altLang="zh-CN"/>
               <a:t>Click to edit Master title style</a:t>
             </a:r>
             <a:endParaRPr lang="zh-CN" altLang="en-US"/>
@@ -1079,35 +1079,35 @@
           <a:p>
             <a:pPr lvl="0"/>
             <a:r>
-              <a:rPr lang="en-US" altLang="zh-CN" smtClean="0"/>
+              <a:rPr lang="en-US" altLang="zh-CN"/>
               <a:t>Click to edit Master text styles</a:t>
             </a:r>
           </a:p>
           <a:p>
             <a:pPr lvl="1"/>
             <a:r>
-              <a:rPr lang="en-US" altLang="zh-CN" smtClean="0"/>
+              <a:rPr lang="en-US" altLang="zh-CN"/>
               <a:t>Second level</a:t>
             </a:r>
           </a:p>
           <a:p>
             <a:pPr lvl="2"/>
             <a:r>
-              <a:rPr lang="en-US" altLang="zh-CN" smtClean="0"/>
+              <a:rPr lang="en-US" altLang="zh-CN"/>
               <a:t>Third level</a:t>
             </a:r>
           </a:p>
           <a:p>
             <a:pPr lvl="3"/>
             <a:r>
-              <a:rPr lang="en-US" altLang="zh-CN" smtClean="0"/>
+              <a:rPr lang="en-US" altLang="zh-CN"/>
               <a:t>Fourth level</a:t>
             </a:r>
           </a:p>
           <a:p>
             <a:pPr lvl="4"/>
             <a:r>
-              <a:rPr lang="en-US" altLang="zh-CN" smtClean="0"/>
+              <a:rPr lang="en-US" altLang="zh-CN"/>
               <a:t>Fifth level</a:t>
             </a:r>
             <a:endParaRPr lang="zh-CN" altLang="en-US"/>
@@ -1131,7 +1131,7 @@
           <a:p>
             <a:fld id="{7CB2688F-49E8-4DD4-9E5A-D1F3D1BDFD9C}" type="datetimeFigureOut">
               <a:rPr lang="zh-CN" altLang="en-US" smtClean="0"/>
-              <a:t>2017/9/14</a:t>
+              <a:t>2021/9/17</a:t>
             </a:fld>
             <a:endParaRPr lang="zh-CN" altLang="en-US"/>
           </a:p>
@@ -1234,7 +1234,7 @@
           </a:lstStyle>
           <a:p>
             <a:r>
-              <a:rPr lang="en-US" altLang="zh-CN" smtClean="0"/>
+              <a:rPr lang="en-US" altLang="zh-CN"/>
               <a:t>Click to edit Master title style</a:t>
             </a:r>
             <a:endParaRPr lang="zh-CN" altLang="en-US"/>
@@ -1354,7 +1354,7 @@
           <a:p>
             <a:pPr lvl="0"/>
             <a:r>
-              <a:rPr lang="en-US" altLang="zh-CN" smtClean="0"/>
+              <a:rPr lang="en-US" altLang="zh-CN"/>
               <a:t>Click to edit Master text styles</a:t>
             </a:r>
           </a:p>
@@ -1377,7 +1377,7 @@
           <a:p>
             <a:fld id="{7CB2688F-49E8-4DD4-9E5A-D1F3D1BDFD9C}" type="datetimeFigureOut">
               <a:rPr lang="zh-CN" altLang="en-US" smtClean="0"/>
-              <a:t>2017/9/14</a:t>
+              <a:t>2021/9/17</a:t>
             </a:fld>
             <a:endParaRPr lang="zh-CN" altLang="en-US"/>
           </a:p>
@@ -1471,7 +1471,7 @@
           <a:lstStyle/>
           <a:p>
             <a:r>
-              <a:rPr lang="en-US" altLang="zh-CN" smtClean="0"/>
+              <a:rPr lang="en-US" altLang="zh-CN"/>
               <a:t>Click to edit Master title style</a:t>
             </a:r>
             <a:endParaRPr lang="zh-CN" altLang="en-US"/>
@@ -1500,35 +1500,35 @@
           <a:p>
             <a:pPr lvl="0"/>
             <a:r>
-              <a:rPr lang="en-US" altLang="zh-CN" smtClean="0"/>
+              <a:rPr lang="en-US" altLang="zh-CN"/>
               <a:t>Click to edit Master text styles</a:t>
             </a:r>
           </a:p>
           <a:p>
             <a:pPr lvl="1"/>
             <a:r>
-              <a:rPr lang="en-US" altLang="zh-CN" smtClean="0"/>
+              <a:rPr lang="en-US" altLang="zh-CN"/>
               <a:t>Second level</a:t>
             </a:r>
           </a:p>
           <a:p>
             <a:pPr lvl="2"/>
             <a:r>
-              <a:rPr lang="en-US" altLang="zh-CN" smtClean="0"/>
+              <a:rPr lang="en-US" altLang="zh-CN"/>
               <a:t>Third level</a:t>
             </a:r>
           </a:p>
           <a:p>
             <a:pPr lvl="3"/>
             <a:r>
-              <a:rPr lang="en-US" altLang="zh-CN" smtClean="0"/>
+              <a:rPr lang="en-US" altLang="zh-CN"/>
               <a:t>Fourth level</a:t>
             </a:r>
           </a:p>
           <a:p>
             <a:pPr lvl="4"/>
             <a:r>
-              <a:rPr lang="en-US" altLang="zh-CN" smtClean="0"/>
+              <a:rPr lang="en-US" altLang="zh-CN"/>
               <a:t>Fifth level</a:t>
             </a:r>
             <a:endParaRPr lang="zh-CN" altLang="en-US"/>
@@ -1557,35 +1557,35 @@
           <a:p>
             <a:pPr lvl="0"/>
             <a:r>
-              <a:rPr lang="en-US" altLang="zh-CN" smtClean="0"/>
+              <a:rPr lang="en-US" altLang="zh-CN"/>
               <a:t>Click to edit Master text styles</a:t>
             </a:r>
           </a:p>
           <a:p>
             <a:pPr lvl="1"/>
             <a:r>
-              <a:rPr lang="en-US" altLang="zh-CN" smtClean="0"/>
+              <a:rPr lang="en-US" altLang="zh-CN"/>
               <a:t>Second level</a:t>
             </a:r>
           </a:p>
           <a:p>
             <a:pPr lvl="2"/>
             <a:r>
-              <a:rPr lang="en-US" altLang="zh-CN" smtClean="0"/>
+              <a:rPr lang="en-US" altLang="zh-CN"/>
               <a:t>Third level</a:t>
             </a:r>
           </a:p>
           <a:p>
             <a:pPr lvl="3"/>
             <a:r>
-              <a:rPr lang="en-US" altLang="zh-CN" smtClean="0"/>
+              <a:rPr lang="en-US" altLang="zh-CN"/>
               <a:t>Fourth level</a:t>
             </a:r>
           </a:p>
           <a:p>
             <a:pPr lvl="4"/>
             <a:r>
-              <a:rPr lang="en-US" altLang="zh-CN" smtClean="0"/>
+              <a:rPr lang="en-US" altLang="zh-CN"/>
               <a:t>Fifth level</a:t>
             </a:r>
             <a:endParaRPr lang="zh-CN" altLang="en-US"/>
@@ -1609,7 +1609,7 @@
           <a:p>
             <a:fld id="{7CB2688F-49E8-4DD4-9E5A-D1F3D1BDFD9C}" type="datetimeFigureOut">
               <a:rPr lang="zh-CN" altLang="en-US" smtClean="0"/>
-              <a:t>2017/9/14</a:t>
+              <a:t>2021/9/17</a:t>
             </a:fld>
             <a:endParaRPr lang="zh-CN" altLang="en-US"/>
           </a:p>
@@ -1708,7 +1708,7 @@
           <a:lstStyle/>
           <a:p>
             <a:r>
-              <a:rPr lang="en-US" altLang="zh-CN" smtClean="0"/>
+              <a:rPr lang="en-US" altLang="zh-CN"/>
               <a:t>Click to edit Master title style</a:t>
             </a:r>
             <a:endParaRPr lang="zh-CN" altLang="en-US"/>
@@ -1774,7 +1774,7 @@
           <a:p>
             <a:pPr lvl="0"/>
             <a:r>
-              <a:rPr lang="en-US" altLang="zh-CN" smtClean="0"/>
+              <a:rPr lang="en-US" altLang="zh-CN"/>
               <a:t>Click to edit Master text styles</a:t>
             </a:r>
           </a:p>
@@ -1802,35 +1802,35 @@
           <a:p>
             <a:pPr lvl="0"/>
             <a:r>
-              <a:rPr lang="en-US" altLang="zh-CN" smtClean="0"/>
+              <a:rPr lang="en-US" altLang="zh-CN"/>
               <a:t>Click to edit Master text styles</a:t>
             </a:r>
           </a:p>
           <a:p>
             <a:pPr lvl="1"/>
             <a:r>
-              <a:rPr lang="en-US" altLang="zh-CN" smtClean="0"/>
+              <a:rPr lang="en-US" altLang="zh-CN"/>
               <a:t>Second level</a:t>
             </a:r>
           </a:p>
           <a:p>
             <a:pPr lvl="2"/>
             <a:r>
-              <a:rPr lang="en-US" altLang="zh-CN" smtClean="0"/>
+              <a:rPr lang="en-US" altLang="zh-CN"/>
               <a:t>Third level</a:t>
             </a:r>
           </a:p>
           <a:p>
             <a:pPr lvl="3"/>
             <a:r>
-              <a:rPr lang="en-US" altLang="zh-CN" smtClean="0"/>
+              <a:rPr lang="en-US" altLang="zh-CN"/>
               <a:t>Fourth level</a:t>
             </a:r>
           </a:p>
           <a:p>
             <a:pPr lvl="4"/>
             <a:r>
-              <a:rPr lang="en-US" altLang="zh-CN" smtClean="0"/>
+              <a:rPr lang="en-US" altLang="zh-CN"/>
               <a:t>Fifth level</a:t>
             </a:r>
             <a:endParaRPr lang="zh-CN" altLang="en-US"/>
@@ -1896,7 +1896,7 @@
           <a:p>
             <a:pPr lvl="0"/>
             <a:r>
-              <a:rPr lang="en-US" altLang="zh-CN" smtClean="0"/>
+              <a:rPr lang="en-US" altLang="zh-CN"/>
               <a:t>Click to edit Master text styles</a:t>
             </a:r>
           </a:p>
@@ -1924,35 +1924,35 @@
           <a:p>
             <a:pPr lvl="0"/>
             <a:r>
-              <a:rPr lang="en-US" altLang="zh-CN" smtClean="0"/>
+              <a:rPr lang="en-US" altLang="zh-CN"/>
               <a:t>Click to edit Master text styles</a:t>
             </a:r>
           </a:p>
           <a:p>
             <a:pPr lvl="1"/>
             <a:r>
-              <a:rPr lang="en-US" altLang="zh-CN" smtClean="0"/>
+              <a:rPr lang="en-US" altLang="zh-CN"/>
               <a:t>Second level</a:t>
             </a:r>
           </a:p>
           <a:p>
             <a:pPr lvl="2"/>
             <a:r>
-              <a:rPr lang="en-US" altLang="zh-CN" smtClean="0"/>
+              <a:rPr lang="en-US" altLang="zh-CN"/>
               <a:t>Third level</a:t>
             </a:r>
           </a:p>
           <a:p>
             <a:pPr lvl="3"/>
             <a:r>
-              <a:rPr lang="en-US" altLang="zh-CN" smtClean="0"/>
+              <a:rPr lang="en-US" altLang="zh-CN"/>
               <a:t>Fourth level</a:t>
             </a:r>
           </a:p>
           <a:p>
             <a:pPr lvl="4"/>
             <a:r>
-              <a:rPr lang="en-US" altLang="zh-CN" smtClean="0"/>
+              <a:rPr lang="en-US" altLang="zh-CN"/>
               <a:t>Fifth level</a:t>
             </a:r>
             <a:endParaRPr lang="zh-CN" altLang="en-US"/>
@@ -1976,7 +1976,7 @@
           <a:p>
             <a:fld id="{7CB2688F-49E8-4DD4-9E5A-D1F3D1BDFD9C}" type="datetimeFigureOut">
               <a:rPr lang="zh-CN" altLang="en-US" smtClean="0"/>
-              <a:t>2017/9/14</a:t>
+              <a:t>2021/9/17</a:t>
             </a:fld>
             <a:endParaRPr lang="zh-CN" altLang="en-US"/>
           </a:p>
@@ -2070,7 +2070,7 @@
           <a:lstStyle/>
           <a:p>
             <a:r>
-              <a:rPr lang="en-US" altLang="zh-CN" smtClean="0"/>
+              <a:rPr lang="en-US" altLang="zh-CN"/>
               <a:t>Click to edit Master title style</a:t>
             </a:r>
             <a:endParaRPr lang="zh-CN" altLang="en-US"/>
@@ -2094,7 +2094,7 @@
           <a:p>
             <a:fld id="{7CB2688F-49E8-4DD4-9E5A-D1F3D1BDFD9C}" type="datetimeFigureOut">
               <a:rPr lang="zh-CN" altLang="en-US" smtClean="0"/>
-              <a:t>2017/9/14</a:t>
+              <a:t>2021/9/17</a:t>
             </a:fld>
             <a:endParaRPr lang="zh-CN" altLang="en-US"/>
           </a:p>
@@ -2189,7 +2189,7 @@
           <a:p>
             <a:fld id="{7CB2688F-49E8-4DD4-9E5A-D1F3D1BDFD9C}" type="datetimeFigureOut">
               <a:rPr lang="zh-CN" altLang="en-US" smtClean="0"/>
-              <a:t>2017/9/14</a:t>
+              <a:t>2021/9/17</a:t>
             </a:fld>
             <a:endParaRPr lang="zh-CN" altLang="en-US"/>
           </a:p>
@@ -2292,7 +2292,7 @@
           </a:lstStyle>
           <a:p>
             <a:r>
-              <a:rPr lang="en-US" altLang="zh-CN" smtClean="0"/>
+              <a:rPr lang="en-US" altLang="zh-CN"/>
               <a:t>Click to edit Master title style</a:t>
             </a:r>
             <a:endParaRPr lang="zh-CN" altLang="en-US"/>
@@ -2349,35 +2349,35 @@
           <a:p>
             <a:pPr lvl="0"/>
             <a:r>
-              <a:rPr lang="en-US" altLang="zh-CN" smtClean="0"/>
+              <a:rPr lang="en-US" altLang="zh-CN"/>
               <a:t>Click to edit Master text styles</a:t>
             </a:r>
           </a:p>
           <a:p>
             <a:pPr lvl="1"/>
             <a:r>
-              <a:rPr lang="en-US" altLang="zh-CN" smtClean="0"/>
+              <a:rPr lang="en-US" altLang="zh-CN"/>
               <a:t>Second level</a:t>
             </a:r>
           </a:p>
           <a:p>
             <a:pPr lvl="2"/>
             <a:r>
-              <a:rPr lang="en-US" altLang="zh-CN" smtClean="0"/>
+              <a:rPr lang="en-US" altLang="zh-CN"/>
               <a:t>Third level</a:t>
             </a:r>
           </a:p>
           <a:p>
             <a:pPr lvl="3"/>
             <a:r>
-              <a:rPr lang="en-US" altLang="zh-CN" smtClean="0"/>
+              <a:rPr lang="en-US" altLang="zh-CN"/>
               <a:t>Fourth level</a:t>
             </a:r>
           </a:p>
           <a:p>
             <a:pPr lvl="4"/>
             <a:r>
-              <a:rPr lang="en-US" altLang="zh-CN" smtClean="0"/>
+              <a:rPr lang="en-US" altLang="zh-CN"/>
               <a:t>Fifth level</a:t>
             </a:r>
             <a:endParaRPr lang="zh-CN" altLang="en-US"/>
@@ -2443,7 +2443,7 @@
           <a:p>
             <a:pPr lvl="0"/>
             <a:r>
-              <a:rPr lang="en-US" altLang="zh-CN" smtClean="0"/>
+              <a:rPr lang="en-US" altLang="zh-CN"/>
               <a:t>Click to edit Master text styles</a:t>
             </a:r>
           </a:p>
@@ -2466,7 +2466,7 @@
           <a:p>
             <a:fld id="{7CB2688F-49E8-4DD4-9E5A-D1F3D1BDFD9C}" type="datetimeFigureOut">
               <a:rPr lang="zh-CN" altLang="en-US" smtClean="0"/>
-              <a:t>2017/9/14</a:t>
+              <a:t>2021/9/17</a:t>
             </a:fld>
             <a:endParaRPr lang="zh-CN" altLang="en-US"/>
           </a:p>
@@ -2569,7 +2569,7 @@
           </a:lstStyle>
           <a:p>
             <a:r>
-              <a:rPr lang="en-US" altLang="zh-CN" smtClean="0"/>
+              <a:rPr lang="en-US" altLang="zh-CN"/>
               <a:t>Click to edit Master title style</a:t>
             </a:r>
             <a:endParaRPr lang="zh-CN" altLang="en-US"/>
@@ -2696,7 +2696,7 @@
           <a:p>
             <a:pPr lvl="0"/>
             <a:r>
-              <a:rPr lang="en-US" altLang="zh-CN" smtClean="0"/>
+              <a:rPr lang="en-US" altLang="zh-CN"/>
               <a:t>Click to edit Master text styles</a:t>
             </a:r>
           </a:p>
@@ -2719,7 +2719,7 @@
           <a:p>
             <a:fld id="{7CB2688F-49E8-4DD4-9E5A-D1F3D1BDFD9C}" type="datetimeFigureOut">
               <a:rPr lang="zh-CN" altLang="en-US" smtClean="0"/>
-              <a:t>2017/9/14</a:t>
+              <a:t>2021/9/17</a:t>
             </a:fld>
             <a:endParaRPr lang="zh-CN" altLang="en-US"/>
           </a:p>
@@ -2828,7 +2828,7 @@
           <a:lstStyle/>
           <a:p>
             <a:r>
-              <a:rPr lang="en-US" altLang="zh-CN" smtClean="0"/>
+              <a:rPr lang="en-US" altLang="zh-CN"/>
               <a:t>Click to edit Master title style</a:t>
             </a:r>
             <a:endParaRPr lang="zh-CN" altLang="en-US"/>
@@ -2862,35 +2862,35 @@
           <a:p>
             <a:pPr lvl="0"/>
             <a:r>
-              <a:rPr lang="en-US" altLang="zh-CN" smtClean="0"/>
+              <a:rPr lang="en-US" altLang="zh-CN"/>
               <a:t>Click to edit Master text styles</a:t>
             </a:r>
           </a:p>
           <a:p>
             <a:pPr lvl="1"/>
             <a:r>
-              <a:rPr lang="en-US" altLang="zh-CN" smtClean="0"/>
+              <a:rPr lang="en-US" altLang="zh-CN"/>
               <a:t>Second level</a:t>
             </a:r>
           </a:p>
           <a:p>
             <a:pPr lvl="2"/>
             <a:r>
-              <a:rPr lang="en-US" altLang="zh-CN" smtClean="0"/>
+              <a:rPr lang="en-US" altLang="zh-CN"/>
               <a:t>Third level</a:t>
             </a:r>
           </a:p>
           <a:p>
             <a:pPr lvl="3"/>
             <a:r>
-              <a:rPr lang="en-US" altLang="zh-CN" smtClean="0"/>
+              <a:rPr lang="en-US" altLang="zh-CN"/>
               <a:t>Fourth level</a:t>
             </a:r>
           </a:p>
           <a:p>
             <a:pPr lvl="4"/>
             <a:r>
-              <a:rPr lang="en-US" altLang="zh-CN" smtClean="0"/>
+              <a:rPr lang="en-US" altLang="zh-CN"/>
               <a:t>Fifth level</a:t>
             </a:r>
             <a:endParaRPr lang="zh-CN" altLang="en-US"/>
@@ -2932,7 +2932,7 @@
           <a:p>
             <a:fld id="{7CB2688F-49E8-4DD4-9E5A-D1F3D1BDFD9C}" type="datetimeFigureOut">
               <a:rPr lang="zh-CN" altLang="en-US" smtClean="0"/>
-              <a:t>2017/9/14</a:t>
+              <a:t>2021/9/17</a:t>
             </a:fld>
             <a:endParaRPr lang="zh-CN" altLang="en-US"/>
           </a:p>
@@ -3414,7 +3414,7 @@
               <a:pPr>
                 <a:defRPr/>
               </a:pPr>
-              <a:t>2017/9/14</a:t>
+              <a:t>2021/9/17</a:t>
             </a:fld>
             <a:endParaRPr lang="en-US" altLang="zh-TW"/>
           </a:p>
@@ -3439,10 +3439,9 @@
               <a:defRPr/>
             </a:pPr>
             <a:r>
-              <a:rPr lang="en-US" altLang="zh-TW" smtClean="0"/>
+              <a:rPr lang="en-US" altLang="zh-TW"/>
               <a:t>CS4335  Design and Analysis of Algorithms/WANG Lusheng</a:t>
             </a:r>
-            <a:endParaRPr lang="en-US" altLang="zh-TW"/>
           </a:p>
         </p:txBody>
       </p:sp>
@@ -3465,7 +3464,7 @@
               <a:defRPr/>
             </a:pPr>
             <a:r>
-              <a:rPr lang="en-US" altLang="zh-TW" smtClean="0"/>
+              <a:rPr lang="en-US" altLang="zh-TW"/>
               <a:t>Page </a:t>
             </a:r>
             <a:fld id="{8BC786DF-339B-48E3-8593-894D2B09C3F5}" type="slidenum">
@@ -3529,13 +3528,6 @@
   <p:clrMapOvr>
     <a:masterClrMapping/>
   </p:clrMapOvr>
-  <p:timing>
-    <p:tnLst>
-      <p:par>
-        <p:cTn id="1" dur="indefinite" restart="never" nodeType="tmRoot"/>
-      </p:par>
-    </p:tnLst>
-  </p:timing>
 </p:sld>
 </file>
 
@@ -3579,7 +3571,7 @@
               <a:pPr>
                 <a:defRPr/>
               </a:pPr>
-              <a:t>2017/9/14</a:t>
+              <a:t>2021/9/17</a:t>
             </a:fld>
             <a:endParaRPr lang="en-US" altLang="zh-TW"/>
           </a:p>
@@ -3604,10 +3596,9 @@
               <a:defRPr/>
             </a:pPr>
             <a:r>
-              <a:rPr lang="en-US" altLang="zh-TW" smtClean="0"/>
+              <a:rPr lang="en-US" altLang="zh-TW"/>
               <a:t>CS4335  Design and Analysis of Algorithms/WANG Lusheng</a:t>
             </a:r>
-            <a:endParaRPr lang="en-US" altLang="zh-TW"/>
           </a:p>
         </p:txBody>
       </p:sp>
@@ -3630,7 +3621,7 @@
               <a:defRPr/>
             </a:pPr>
             <a:r>
-              <a:rPr lang="en-US" altLang="zh-TW" smtClean="0"/>
+              <a:rPr lang="en-US" altLang="zh-TW"/>
               <a:t>Page </a:t>
             </a:r>
             <a:fld id="{8BC786DF-339B-48E3-8593-894D2B09C3F5}" type="slidenum">
@@ -3708,13 +3699,6 @@
   <p:clrMapOvr>
     <a:masterClrMapping/>
   </p:clrMapOvr>
-  <p:timing>
-    <p:tnLst>
-      <p:par>
-        <p:cTn id="1" dur="indefinite" restart="never" nodeType="tmRoot"/>
-      </p:par>
-    </p:tnLst>
-  </p:timing>
 </p:sld>
 </file>
 
@@ -3737,30 +3721,6 @@
       </p:grpSpPr>
       <p:sp>
         <p:nvSpPr>
-          <p:cNvPr id="3" name="Content Placeholder 2"/>
-          <p:cNvSpPr>
-            <a:spLocks noGrp="1"/>
-          </p:cNvSpPr>
-          <p:nvPr>
-            <p:ph idx="1"/>
-          </p:nvPr>
-        </p:nvSpPr>
-        <p:spPr>
-          <a:xfrm>
-            <a:off x="2246094" y="1944871"/>
-            <a:ext cx="15014846" cy="8180874"/>
-          </a:xfrm>
-        </p:spPr>
-        <p:txBody>
-          <a:bodyPr/>
-          <a:lstStyle/>
-          <a:p>
-            <a:endParaRPr lang="zh-CN" altLang="en-US" dirty="0"/>
-          </a:p>
-        </p:txBody>
-      </p:sp>
-      <p:sp>
-        <p:nvSpPr>
           <p:cNvPr id="4" name="Date Placeholder 3"/>
           <p:cNvSpPr>
             <a:spLocks noGrp="1"/>
@@ -3782,7 +3742,7 @@
               <a:pPr>
                 <a:defRPr/>
               </a:pPr>
-              <a:t>2017/9/14</a:t>
+              <a:t>2021/9/17</a:t>
             </a:fld>
             <a:endParaRPr lang="en-US" altLang="zh-TW"/>
           </a:p>
@@ -3807,10 +3767,9 @@
               <a:defRPr/>
             </a:pPr>
             <a:r>
-              <a:rPr lang="en-US" altLang="zh-TW" smtClean="0"/>
+              <a:rPr lang="en-US" altLang="zh-TW"/>
               <a:t>CS4335  Design and Analysis of Algorithms/WANG Lusheng</a:t>
             </a:r>
-            <a:endParaRPr lang="en-US" altLang="zh-TW"/>
           </a:p>
         </p:txBody>
       </p:sp>
@@ -3833,7 +3792,7 @@
               <a:defRPr/>
             </a:pPr>
             <a:r>
-              <a:rPr lang="en-US" altLang="zh-TW" smtClean="0"/>
+              <a:rPr lang="en-US" altLang="zh-TW"/>
               <a:t>Page </a:t>
             </a:r>
             <a:fld id="{8BC786DF-339B-48E3-8593-894D2B09C3F5}" type="slidenum">
@@ -3911,13 +3870,6 @@
   <p:clrMapOvr>
     <a:masterClrMapping/>
   </p:clrMapOvr>
-  <p:timing>
-    <p:tnLst>
-      <p:par>
-        <p:cTn id="1" dur="indefinite" restart="never" nodeType="tmRoot"/>
-      </p:par>
-    </p:tnLst>
-  </p:timing>
 </p:sld>
 </file>
 
@@ -3972,13 +3924,6 @@
   <p:clrMapOvr>
     <a:masterClrMapping/>
   </p:clrMapOvr>
-  <p:timing>
-    <p:tnLst>
-      <p:par>
-        <p:cTn id="1" dur="indefinite" restart="never" nodeType="tmRoot"/>
-      </p:par>
-    </p:tnLst>
-  </p:timing>
 </p:sld>
 </file>
 
@@ -4076,7 +4021,7 @@
           <a:lstStyle/>
           <a:p>
             <a:r>
-              <a:rPr lang="en-US" altLang="zh-CN" sz="2800" dirty="0" smtClean="0"/>
+              <a:rPr lang="en-US" altLang="zh-CN" sz="2800" dirty="0"/>
               <a:t>Repeating the process, we can show that greedy solution is the same as  an optimal solution .</a:t>
             </a:r>
             <a:endParaRPr lang="zh-CN" altLang="en-US" sz="2800" dirty="0"/>
@@ -4093,13 +4038,6 @@
   <p:clrMapOvr>
     <a:masterClrMapping/>
   </p:clrMapOvr>
-  <p:timing>
-    <p:tnLst>
-      <p:par>
-        <p:cTn id="1" dur="indefinite" restart="never" nodeType="tmRoot"/>
-      </p:par>
-    </p:tnLst>
-  </p:timing>
 </p:sld>
 </file>
 
